--- a/myapp/travel/travel.pptx
+++ b/myapp/travel/travel.pptx
@@ -3093,7 +3093,7 @@
       <p:grpSpPr/>
       <p:pic>
         <p:nvPicPr>
-          <p:cNvPr id="2" name="Picture 1" descr="pic-eat.png"/>
+          <p:cNvPr id="2" name="Picture 1" descr="pic-e.png"/>
           <p:cNvPicPr>
             <a:picLocks noChangeAspect="1"/>
           </p:cNvPicPr>
@@ -3108,7 +3108,7 @@
         <p:spPr>
           <a:xfrm>
             <a:off x="180000" y="180000"/>
-            <a:ext cx="8255000" cy="6350000"/>
+            <a:ext cx="7391400" cy="6565900"/>
           </a:xfrm>
           <a:prstGeom prst="rect">
             <a:avLst/>
@@ -3150,7 +3150,7 @@
         <p:spPr>
           <a:xfrm>
             <a:off x="180000" y="180000"/>
-            <a:ext cx="8255000" cy="6350000"/>
+            <a:ext cx="8890000" cy="5588000"/>
           </a:xfrm>
           <a:prstGeom prst="rect">
             <a:avLst/>
@@ -3192,7 +3192,7 @@
         <p:spPr>
           <a:xfrm>
             <a:off x="180000" y="180000"/>
-            <a:ext cx="8255000" cy="6350000"/>
+            <a:ext cx="6096000" cy="4572000"/>
           </a:xfrm>
           <a:prstGeom prst="rect">
             <a:avLst/>
